--- a/ppt 16-9/1351.耶和华啊你的话.pptx
+++ b/ppt 16-9/1351.耶和华啊你的话.pptx
@@ -129,7 +129,7 @@
           <p:cNvPr id="2" name="标题 1">
             <a:extLst>
               <a:ext uri="{FF2B5EF4-FFF2-40B4-BE49-F238E27FC236}">
-                <a16:creationId xmlns:a16="http://schemas.microsoft.com/office/drawing/2014/main" id="{52A7D17E-315F-E9D4-B5FF-059A9EDF681B}"/>
+                <a16:creationId xmlns:a16="http://schemas.microsoft.com/office/drawing/2014/main" id="{ADCA04C0-61C1-3113-622A-FD656FA515A5}"/>
               </a:ext>
             </a:extLst>
           </p:cNvPr>
@@ -166,7 +166,7 @@
           <p:cNvPr id="3" name="副标题 2">
             <a:extLst>
               <a:ext uri="{FF2B5EF4-FFF2-40B4-BE49-F238E27FC236}">
-                <a16:creationId xmlns:a16="http://schemas.microsoft.com/office/drawing/2014/main" id="{79EA2003-3B79-B7CD-ED6D-45DB3F0A6657}"/>
+                <a16:creationId xmlns:a16="http://schemas.microsoft.com/office/drawing/2014/main" id="{4D29ADC6-5E34-2544-BE53-295F358E2CE7}"/>
               </a:ext>
             </a:extLst>
           </p:cNvPr>
@@ -236,7 +236,7 @@
           <p:cNvPr id="4" name="日期占位符 3">
             <a:extLst>
               <a:ext uri="{FF2B5EF4-FFF2-40B4-BE49-F238E27FC236}">
-                <a16:creationId xmlns:a16="http://schemas.microsoft.com/office/drawing/2014/main" id="{2370B654-E098-B7CD-E553-D192694740DB}"/>
+                <a16:creationId xmlns:a16="http://schemas.microsoft.com/office/drawing/2014/main" id="{D9133497-5967-1C9D-43A1-74F5B5A70E40}"/>
               </a:ext>
             </a:extLst>
           </p:cNvPr>
@@ -252,7 +252,7 @@
           <a:bodyPr/>
           <a:lstStyle/>
           <a:p>
-            <a:fld id="{6C3A8BA1-F2C0-4024-8A1B-5989772EC5FE}" type="datetimeFigureOut">
+            <a:fld id="{FB944270-1DB4-46BE-BF00-49F91633D15F}" type="datetimeFigureOut">
               <a:rPr lang="zh-CN" altLang="en-US" smtClean="0"/>
               <a:t>2024/3/10</a:t>
             </a:fld>
@@ -265,7 +265,7 @@
           <p:cNvPr id="5" name="页脚占位符 4">
             <a:extLst>
               <a:ext uri="{FF2B5EF4-FFF2-40B4-BE49-F238E27FC236}">
-                <a16:creationId xmlns:a16="http://schemas.microsoft.com/office/drawing/2014/main" id="{A1937D92-FAEA-C1DD-3E9E-50076922028A}"/>
+                <a16:creationId xmlns:a16="http://schemas.microsoft.com/office/drawing/2014/main" id="{5A3CB433-628B-8A69-2088-84A8FEE18DBC}"/>
               </a:ext>
             </a:extLst>
           </p:cNvPr>
@@ -290,7 +290,7 @@
           <p:cNvPr id="6" name="灯片编号占位符 5">
             <a:extLst>
               <a:ext uri="{FF2B5EF4-FFF2-40B4-BE49-F238E27FC236}">
-                <a16:creationId xmlns:a16="http://schemas.microsoft.com/office/drawing/2014/main" id="{83B7F4DB-F262-F0E8-A404-79915C41BA0D}"/>
+                <a16:creationId xmlns:a16="http://schemas.microsoft.com/office/drawing/2014/main" id="{427E0180-5EBE-EA8C-F8B5-FB9D73D01038}"/>
               </a:ext>
             </a:extLst>
           </p:cNvPr>
@@ -306,7 +306,7 @@
           <a:bodyPr/>
           <a:lstStyle/>
           <a:p>
-            <a:fld id="{045A99A6-3634-4E6C-8FD8-24BB06468BE6}" type="slidenum">
+            <a:fld id="{A8EFE528-9DA1-4AA5-A847-EE5E09167760}" type="slidenum">
               <a:rPr lang="zh-CN" altLang="en-US" smtClean="0"/>
               <a:t>‹#›</a:t>
             </a:fld>
@@ -317,7 +317,7 @@
     </p:spTree>
     <p:extLst>
       <p:ext uri="{BB962C8B-B14F-4D97-AF65-F5344CB8AC3E}">
-        <p14:creationId xmlns:p14="http://schemas.microsoft.com/office/powerpoint/2010/main" val="4075033391"/>
+        <p14:creationId xmlns:p14="http://schemas.microsoft.com/office/powerpoint/2010/main" val="1241521911"/>
       </p:ext>
     </p:extLst>
   </p:cSld>
@@ -349,7 +349,7 @@
           <p:cNvPr id="2" name="标题 1">
             <a:extLst>
               <a:ext uri="{FF2B5EF4-FFF2-40B4-BE49-F238E27FC236}">
-                <a16:creationId xmlns:a16="http://schemas.microsoft.com/office/drawing/2014/main" id="{1723A44B-8F9F-6C2D-D2A5-B8FF6423257D}"/>
+                <a16:creationId xmlns:a16="http://schemas.microsoft.com/office/drawing/2014/main" id="{9F9C0D49-6E99-6D17-0066-5A50289486E4}"/>
               </a:ext>
             </a:extLst>
           </p:cNvPr>
@@ -377,7 +377,7 @@
           <p:cNvPr id="3" name="竖排文字占位符 2">
             <a:extLst>
               <a:ext uri="{FF2B5EF4-FFF2-40B4-BE49-F238E27FC236}">
-                <a16:creationId xmlns:a16="http://schemas.microsoft.com/office/drawing/2014/main" id="{D77B1FB1-4BA0-C519-8754-009215058B4A}"/>
+                <a16:creationId xmlns:a16="http://schemas.microsoft.com/office/drawing/2014/main" id="{1E75EA65-A09F-6919-476F-B5DA0891CA53}"/>
               </a:ext>
             </a:extLst>
           </p:cNvPr>
@@ -434,7 +434,7 @@
           <p:cNvPr id="4" name="日期占位符 3">
             <a:extLst>
               <a:ext uri="{FF2B5EF4-FFF2-40B4-BE49-F238E27FC236}">
-                <a16:creationId xmlns:a16="http://schemas.microsoft.com/office/drawing/2014/main" id="{F1F56E04-797F-3E16-9308-0D0FC4A373FD}"/>
+                <a16:creationId xmlns:a16="http://schemas.microsoft.com/office/drawing/2014/main" id="{FC79A0F8-8332-D4AE-FF65-0C3671F0A36C}"/>
               </a:ext>
             </a:extLst>
           </p:cNvPr>
@@ -450,7 +450,7 @@
           <a:bodyPr/>
           <a:lstStyle/>
           <a:p>
-            <a:fld id="{6C3A8BA1-F2C0-4024-8A1B-5989772EC5FE}" type="datetimeFigureOut">
+            <a:fld id="{FB944270-1DB4-46BE-BF00-49F91633D15F}" type="datetimeFigureOut">
               <a:rPr lang="zh-CN" altLang="en-US" smtClean="0"/>
               <a:t>2024/3/10</a:t>
             </a:fld>
@@ -463,7 +463,7 @@
           <p:cNvPr id="5" name="页脚占位符 4">
             <a:extLst>
               <a:ext uri="{FF2B5EF4-FFF2-40B4-BE49-F238E27FC236}">
-                <a16:creationId xmlns:a16="http://schemas.microsoft.com/office/drawing/2014/main" id="{B832AB33-6791-B1AC-1E23-DFCB95F91BCA}"/>
+                <a16:creationId xmlns:a16="http://schemas.microsoft.com/office/drawing/2014/main" id="{89D9DE8B-118D-A131-4C6E-1A459CB0685B}"/>
               </a:ext>
             </a:extLst>
           </p:cNvPr>
@@ -488,7 +488,7 @@
           <p:cNvPr id="6" name="灯片编号占位符 5">
             <a:extLst>
               <a:ext uri="{FF2B5EF4-FFF2-40B4-BE49-F238E27FC236}">
-                <a16:creationId xmlns:a16="http://schemas.microsoft.com/office/drawing/2014/main" id="{8DF36925-5AFA-14DA-4041-2AB8ABB318FE}"/>
+                <a16:creationId xmlns:a16="http://schemas.microsoft.com/office/drawing/2014/main" id="{7D5E0FEC-D973-7EE0-2802-81016AA877F1}"/>
               </a:ext>
             </a:extLst>
           </p:cNvPr>
@@ -504,7 +504,7 @@
           <a:bodyPr/>
           <a:lstStyle/>
           <a:p>
-            <a:fld id="{045A99A6-3634-4E6C-8FD8-24BB06468BE6}" type="slidenum">
+            <a:fld id="{A8EFE528-9DA1-4AA5-A847-EE5E09167760}" type="slidenum">
               <a:rPr lang="zh-CN" altLang="en-US" smtClean="0"/>
               <a:t>‹#›</a:t>
             </a:fld>
@@ -515,7 +515,7 @@
     </p:spTree>
     <p:extLst>
       <p:ext uri="{BB962C8B-B14F-4D97-AF65-F5344CB8AC3E}">
-        <p14:creationId xmlns:p14="http://schemas.microsoft.com/office/powerpoint/2010/main" val="2353858522"/>
+        <p14:creationId xmlns:p14="http://schemas.microsoft.com/office/powerpoint/2010/main" val="1127743094"/>
       </p:ext>
     </p:extLst>
   </p:cSld>
@@ -547,7 +547,7 @@
           <p:cNvPr id="2" name="竖排标题 1">
             <a:extLst>
               <a:ext uri="{FF2B5EF4-FFF2-40B4-BE49-F238E27FC236}">
-                <a16:creationId xmlns:a16="http://schemas.microsoft.com/office/drawing/2014/main" id="{40B4A855-E110-A58C-507C-12DF11EBD314}"/>
+                <a16:creationId xmlns:a16="http://schemas.microsoft.com/office/drawing/2014/main" id="{5CF82748-D55C-47D6-A05E-D52FF59ABEFE}"/>
               </a:ext>
             </a:extLst>
           </p:cNvPr>
@@ -580,7 +580,7 @@
           <p:cNvPr id="3" name="竖排文字占位符 2">
             <a:extLst>
               <a:ext uri="{FF2B5EF4-FFF2-40B4-BE49-F238E27FC236}">
-                <a16:creationId xmlns:a16="http://schemas.microsoft.com/office/drawing/2014/main" id="{0BB0A6B7-4825-EC64-EF00-5FE22EF272F5}"/>
+                <a16:creationId xmlns:a16="http://schemas.microsoft.com/office/drawing/2014/main" id="{9D933070-BA85-461E-CB3C-C37E85125D45}"/>
               </a:ext>
             </a:extLst>
           </p:cNvPr>
@@ -642,7 +642,7 @@
           <p:cNvPr id="4" name="日期占位符 3">
             <a:extLst>
               <a:ext uri="{FF2B5EF4-FFF2-40B4-BE49-F238E27FC236}">
-                <a16:creationId xmlns:a16="http://schemas.microsoft.com/office/drawing/2014/main" id="{CACE88C9-6886-846B-18A6-CF78839CB37B}"/>
+                <a16:creationId xmlns:a16="http://schemas.microsoft.com/office/drawing/2014/main" id="{7A916004-956C-5D62-697D-D474238CD73F}"/>
               </a:ext>
             </a:extLst>
           </p:cNvPr>
@@ -658,7 +658,7 @@
           <a:bodyPr/>
           <a:lstStyle/>
           <a:p>
-            <a:fld id="{6C3A8BA1-F2C0-4024-8A1B-5989772EC5FE}" type="datetimeFigureOut">
+            <a:fld id="{FB944270-1DB4-46BE-BF00-49F91633D15F}" type="datetimeFigureOut">
               <a:rPr lang="zh-CN" altLang="en-US" smtClean="0"/>
               <a:t>2024/3/10</a:t>
             </a:fld>
@@ -671,7 +671,7 @@
           <p:cNvPr id="5" name="页脚占位符 4">
             <a:extLst>
               <a:ext uri="{FF2B5EF4-FFF2-40B4-BE49-F238E27FC236}">
-                <a16:creationId xmlns:a16="http://schemas.microsoft.com/office/drawing/2014/main" id="{71A42511-3E69-7BEA-BBE7-EA57F3BDFCEB}"/>
+                <a16:creationId xmlns:a16="http://schemas.microsoft.com/office/drawing/2014/main" id="{2E251BC6-91FD-A55B-B276-4D2D5499BCD4}"/>
               </a:ext>
             </a:extLst>
           </p:cNvPr>
@@ -696,7 +696,7 @@
           <p:cNvPr id="6" name="灯片编号占位符 5">
             <a:extLst>
               <a:ext uri="{FF2B5EF4-FFF2-40B4-BE49-F238E27FC236}">
-                <a16:creationId xmlns:a16="http://schemas.microsoft.com/office/drawing/2014/main" id="{2D7CD96A-166C-C9B6-5A6A-6B2BA342BFD3}"/>
+                <a16:creationId xmlns:a16="http://schemas.microsoft.com/office/drawing/2014/main" id="{009992F2-AE3F-2E67-2077-BEA2AFF319ED}"/>
               </a:ext>
             </a:extLst>
           </p:cNvPr>
@@ -712,7 +712,7 @@
           <a:bodyPr/>
           <a:lstStyle/>
           <a:p>
-            <a:fld id="{045A99A6-3634-4E6C-8FD8-24BB06468BE6}" type="slidenum">
+            <a:fld id="{A8EFE528-9DA1-4AA5-A847-EE5E09167760}" type="slidenum">
               <a:rPr lang="zh-CN" altLang="en-US" smtClean="0"/>
               <a:t>‹#›</a:t>
             </a:fld>
@@ -723,7 +723,7 @@
     </p:spTree>
     <p:extLst>
       <p:ext uri="{BB962C8B-B14F-4D97-AF65-F5344CB8AC3E}">
-        <p14:creationId xmlns:p14="http://schemas.microsoft.com/office/powerpoint/2010/main" val="2785083747"/>
+        <p14:creationId xmlns:p14="http://schemas.microsoft.com/office/powerpoint/2010/main" val="3975227308"/>
       </p:ext>
     </p:extLst>
   </p:cSld>
@@ -755,7 +755,7 @@
           <p:cNvPr id="2" name="标题 1">
             <a:extLst>
               <a:ext uri="{FF2B5EF4-FFF2-40B4-BE49-F238E27FC236}">
-                <a16:creationId xmlns:a16="http://schemas.microsoft.com/office/drawing/2014/main" id="{B413D2CA-3D85-48BC-A6DE-032D760471E5}"/>
+                <a16:creationId xmlns:a16="http://schemas.microsoft.com/office/drawing/2014/main" id="{DF1B51C0-1C56-5AFA-52E1-E39DAC1C671A}"/>
               </a:ext>
             </a:extLst>
           </p:cNvPr>
@@ -783,7 +783,7 @@
           <p:cNvPr id="3" name="内容占位符 2">
             <a:extLst>
               <a:ext uri="{FF2B5EF4-FFF2-40B4-BE49-F238E27FC236}">
-                <a16:creationId xmlns:a16="http://schemas.microsoft.com/office/drawing/2014/main" id="{7E468F1E-86F8-85F2-5320-34677A25B005}"/>
+                <a16:creationId xmlns:a16="http://schemas.microsoft.com/office/drawing/2014/main" id="{AB2348AF-0E88-ECB9-CA2D-325D56F86D00}"/>
               </a:ext>
             </a:extLst>
           </p:cNvPr>
@@ -840,7 +840,7 @@
           <p:cNvPr id="4" name="日期占位符 3">
             <a:extLst>
               <a:ext uri="{FF2B5EF4-FFF2-40B4-BE49-F238E27FC236}">
-                <a16:creationId xmlns:a16="http://schemas.microsoft.com/office/drawing/2014/main" id="{F8984FF9-DD22-8D85-B423-6EF040EB9856}"/>
+                <a16:creationId xmlns:a16="http://schemas.microsoft.com/office/drawing/2014/main" id="{4C629EF4-8864-5BAF-60D3-716AE999F8F9}"/>
               </a:ext>
             </a:extLst>
           </p:cNvPr>
@@ -856,7 +856,7 @@
           <a:bodyPr/>
           <a:lstStyle/>
           <a:p>
-            <a:fld id="{6C3A8BA1-F2C0-4024-8A1B-5989772EC5FE}" type="datetimeFigureOut">
+            <a:fld id="{FB944270-1DB4-46BE-BF00-49F91633D15F}" type="datetimeFigureOut">
               <a:rPr lang="zh-CN" altLang="en-US" smtClean="0"/>
               <a:t>2024/3/10</a:t>
             </a:fld>
@@ -869,7 +869,7 @@
           <p:cNvPr id="5" name="页脚占位符 4">
             <a:extLst>
               <a:ext uri="{FF2B5EF4-FFF2-40B4-BE49-F238E27FC236}">
-                <a16:creationId xmlns:a16="http://schemas.microsoft.com/office/drawing/2014/main" id="{25A17056-7393-B830-81CB-62DA30F1D95A}"/>
+                <a16:creationId xmlns:a16="http://schemas.microsoft.com/office/drawing/2014/main" id="{03711BFE-80ED-6460-5465-0FE31CF02800}"/>
               </a:ext>
             </a:extLst>
           </p:cNvPr>
@@ -894,7 +894,7 @@
           <p:cNvPr id="6" name="灯片编号占位符 5">
             <a:extLst>
               <a:ext uri="{FF2B5EF4-FFF2-40B4-BE49-F238E27FC236}">
-                <a16:creationId xmlns:a16="http://schemas.microsoft.com/office/drawing/2014/main" id="{2A76D609-14E9-88F1-27E7-C1E59CBB4B87}"/>
+                <a16:creationId xmlns:a16="http://schemas.microsoft.com/office/drawing/2014/main" id="{8F51124F-CE55-D306-E53E-9A94DAAAD269}"/>
               </a:ext>
             </a:extLst>
           </p:cNvPr>
@@ -910,7 +910,7 @@
           <a:bodyPr/>
           <a:lstStyle/>
           <a:p>
-            <a:fld id="{045A99A6-3634-4E6C-8FD8-24BB06468BE6}" type="slidenum">
+            <a:fld id="{A8EFE528-9DA1-4AA5-A847-EE5E09167760}" type="slidenum">
               <a:rPr lang="zh-CN" altLang="en-US" smtClean="0"/>
               <a:t>‹#›</a:t>
             </a:fld>
@@ -921,7 +921,7 @@
     </p:spTree>
     <p:extLst>
       <p:ext uri="{BB962C8B-B14F-4D97-AF65-F5344CB8AC3E}">
-        <p14:creationId xmlns:p14="http://schemas.microsoft.com/office/powerpoint/2010/main" val="295120378"/>
+        <p14:creationId xmlns:p14="http://schemas.microsoft.com/office/powerpoint/2010/main" val="3078406301"/>
       </p:ext>
     </p:extLst>
   </p:cSld>
@@ -953,7 +953,7 @@
           <p:cNvPr id="2" name="标题 1">
             <a:extLst>
               <a:ext uri="{FF2B5EF4-FFF2-40B4-BE49-F238E27FC236}">
-                <a16:creationId xmlns:a16="http://schemas.microsoft.com/office/drawing/2014/main" id="{B60B43C1-ACB3-EC91-FCDB-4B7A79302C72}"/>
+                <a16:creationId xmlns:a16="http://schemas.microsoft.com/office/drawing/2014/main" id="{9FBB4F12-8791-956A-2398-48B92F454C63}"/>
               </a:ext>
             </a:extLst>
           </p:cNvPr>
@@ -990,7 +990,7 @@
           <p:cNvPr id="3" name="文本占位符 2">
             <a:extLst>
               <a:ext uri="{FF2B5EF4-FFF2-40B4-BE49-F238E27FC236}">
-                <a16:creationId xmlns:a16="http://schemas.microsoft.com/office/drawing/2014/main" id="{3FD8F0FB-96B3-ED6E-9733-84250F04EE49}"/>
+                <a16:creationId xmlns:a16="http://schemas.microsoft.com/office/drawing/2014/main" id="{578AA0AF-5A4A-CE18-167F-EE721930BC5C}"/>
               </a:ext>
             </a:extLst>
           </p:cNvPr>
@@ -1115,7 +1115,7 @@
           <p:cNvPr id="4" name="日期占位符 3">
             <a:extLst>
               <a:ext uri="{FF2B5EF4-FFF2-40B4-BE49-F238E27FC236}">
-                <a16:creationId xmlns:a16="http://schemas.microsoft.com/office/drawing/2014/main" id="{4121FB2F-66AB-894E-190F-8FF0D0C52D46}"/>
+                <a16:creationId xmlns:a16="http://schemas.microsoft.com/office/drawing/2014/main" id="{7FFC9F19-ECD4-E0B4-AD2D-CDB5F207591D}"/>
               </a:ext>
             </a:extLst>
           </p:cNvPr>
@@ -1131,7 +1131,7 @@
           <a:bodyPr/>
           <a:lstStyle/>
           <a:p>
-            <a:fld id="{6C3A8BA1-F2C0-4024-8A1B-5989772EC5FE}" type="datetimeFigureOut">
+            <a:fld id="{FB944270-1DB4-46BE-BF00-49F91633D15F}" type="datetimeFigureOut">
               <a:rPr lang="zh-CN" altLang="en-US" smtClean="0"/>
               <a:t>2024/3/10</a:t>
             </a:fld>
@@ -1144,7 +1144,7 @@
           <p:cNvPr id="5" name="页脚占位符 4">
             <a:extLst>
               <a:ext uri="{FF2B5EF4-FFF2-40B4-BE49-F238E27FC236}">
-                <a16:creationId xmlns:a16="http://schemas.microsoft.com/office/drawing/2014/main" id="{87D055A8-8E52-A79C-9B0A-F67C2163CC48}"/>
+                <a16:creationId xmlns:a16="http://schemas.microsoft.com/office/drawing/2014/main" id="{F73D0EA8-EA0A-51E2-12B1-43B7C47F5D77}"/>
               </a:ext>
             </a:extLst>
           </p:cNvPr>
@@ -1169,7 +1169,7 @@
           <p:cNvPr id="6" name="灯片编号占位符 5">
             <a:extLst>
               <a:ext uri="{FF2B5EF4-FFF2-40B4-BE49-F238E27FC236}">
-                <a16:creationId xmlns:a16="http://schemas.microsoft.com/office/drawing/2014/main" id="{73E39A77-9BF9-6531-4F23-FC303AA014F2}"/>
+                <a16:creationId xmlns:a16="http://schemas.microsoft.com/office/drawing/2014/main" id="{897F2E50-5514-3E89-2DCF-F666E4F7CC11}"/>
               </a:ext>
             </a:extLst>
           </p:cNvPr>
@@ -1185,7 +1185,7 @@
           <a:bodyPr/>
           <a:lstStyle/>
           <a:p>
-            <a:fld id="{045A99A6-3634-4E6C-8FD8-24BB06468BE6}" type="slidenum">
+            <a:fld id="{A8EFE528-9DA1-4AA5-A847-EE5E09167760}" type="slidenum">
               <a:rPr lang="zh-CN" altLang="en-US" smtClean="0"/>
               <a:t>‹#›</a:t>
             </a:fld>
@@ -1196,7 +1196,7 @@
     </p:spTree>
     <p:extLst>
       <p:ext uri="{BB962C8B-B14F-4D97-AF65-F5344CB8AC3E}">
-        <p14:creationId xmlns:p14="http://schemas.microsoft.com/office/powerpoint/2010/main" val="4051267652"/>
+        <p14:creationId xmlns:p14="http://schemas.microsoft.com/office/powerpoint/2010/main" val="4123370779"/>
       </p:ext>
     </p:extLst>
   </p:cSld>
@@ -1228,7 +1228,7 @@
           <p:cNvPr id="2" name="标题 1">
             <a:extLst>
               <a:ext uri="{FF2B5EF4-FFF2-40B4-BE49-F238E27FC236}">
-                <a16:creationId xmlns:a16="http://schemas.microsoft.com/office/drawing/2014/main" id="{F7B7A3A2-27FD-0ED7-C28D-71A8623AD100}"/>
+                <a16:creationId xmlns:a16="http://schemas.microsoft.com/office/drawing/2014/main" id="{F7466791-2ECD-9EC7-C8E1-67F9EEB2B4ED}"/>
               </a:ext>
             </a:extLst>
           </p:cNvPr>
@@ -1256,7 +1256,7 @@
           <p:cNvPr id="3" name="内容占位符 2">
             <a:extLst>
               <a:ext uri="{FF2B5EF4-FFF2-40B4-BE49-F238E27FC236}">
-                <a16:creationId xmlns:a16="http://schemas.microsoft.com/office/drawing/2014/main" id="{8E95CBEC-F90E-3707-CCDA-77829257221B}"/>
+                <a16:creationId xmlns:a16="http://schemas.microsoft.com/office/drawing/2014/main" id="{368C23AF-1FEE-781F-A785-2F899F957260}"/>
               </a:ext>
             </a:extLst>
           </p:cNvPr>
@@ -1318,7 +1318,7 @@
           <p:cNvPr id="4" name="内容占位符 3">
             <a:extLst>
               <a:ext uri="{FF2B5EF4-FFF2-40B4-BE49-F238E27FC236}">
-                <a16:creationId xmlns:a16="http://schemas.microsoft.com/office/drawing/2014/main" id="{971AA979-E819-58AC-3A0B-8677B39EB710}"/>
+                <a16:creationId xmlns:a16="http://schemas.microsoft.com/office/drawing/2014/main" id="{DDA5A43C-4876-BD5C-7C28-9A1B8F785F34}"/>
               </a:ext>
             </a:extLst>
           </p:cNvPr>
@@ -1380,7 +1380,7 @@
           <p:cNvPr id="5" name="日期占位符 4">
             <a:extLst>
               <a:ext uri="{FF2B5EF4-FFF2-40B4-BE49-F238E27FC236}">
-                <a16:creationId xmlns:a16="http://schemas.microsoft.com/office/drawing/2014/main" id="{23C8E0AF-C17E-6CC9-A725-036B193BC005}"/>
+                <a16:creationId xmlns:a16="http://schemas.microsoft.com/office/drawing/2014/main" id="{14CFA5C5-33FA-9247-FE9F-9FDDEB191F00}"/>
               </a:ext>
             </a:extLst>
           </p:cNvPr>
@@ -1396,7 +1396,7 @@
           <a:bodyPr/>
           <a:lstStyle/>
           <a:p>
-            <a:fld id="{6C3A8BA1-F2C0-4024-8A1B-5989772EC5FE}" type="datetimeFigureOut">
+            <a:fld id="{FB944270-1DB4-46BE-BF00-49F91633D15F}" type="datetimeFigureOut">
               <a:rPr lang="zh-CN" altLang="en-US" smtClean="0"/>
               <a:t>2024/3/10</a:t>
             </a:fld>
@@ -1409,7 +1409,7 @@
           <p:cNvPr id="6" name="页脚占位符 5">
             <a:extLst>
               <a:ext uri="{FF2B5EF4-FFF2-40B4-BE49-F238E27FC236}">
-                <a16:creationId xmlns:a16="http://schemas.microsoft.com/office/drawing/2014/main" id="{4F643642-E34D-BAAA-2921-D9DDE703E29F}"/>
+                <a16:creationId xmlns:a16="http://schemas.microsoft.com/office/drawing/2014/main" id="{1CB65B5E-2C42-A4E9-D6B5-2C0A858552D2}"/>
               </a:ext>
             </a:extLst>
           </p:cNvPr>
@@ -1434,7 +1434,7 @@
           <p:cNvPr id="7" name="灯片编号占位符 6">
             <a:extLst>
               <a:ext uri="{FF2B5EF4-FFF2-40B4-BE49-F238E27FC236}">
-                <a16:creationId xmlns:a16="http://schemas.microsoft.com/office/drawing/2014/main" id="{734C1FCC-ED5C-801F-791D-2B8F3ADBC86E}"/>
+                <a16:creationId xmlns:a16="http://schemas.microsoft.com/office/drawing/2014/main" id="{7C63B0F8-2F12-3EAC-7FD3-D30FD945352A}"/>
               </a:ext>
             </a:extLst>
           </p:cNvPr>
@@ -1450,7 +1450,7 @@
           <a:bodyPr/>
           <a:lstStyle/>
           <a:p>
-            <a:fld id="{045A99A6-3634-4E6C-8FD8-24BB06468BE6}" type="slidenum">
+            <a:fld id="{A8EFE528-9DA1-4AA5-A847-EE5E09167760}" type="slidenum">
               <a:rPr lang="zh-CN" altLang="en-US" smtClean="0"/>
               <a:t>‹#›</a:t>
             </a:fld>
@@ -1461,7 +1461,7 @@
     </p:spTree>
     <p:extLst>
       <p:ext uri="{BB962C8B-B14F-4D97-AF65-F5344CB8AC3E}">
-        <p14:creationId xmlns:p14="http://schemas.microsoft.com/office/powerpoint/2010/main" val="568616127"/>
+        <p14:creationId xmlns:p14="http://schemas.microsoft.com/office/powerpoint/2010/main" val="599217239"/>
       </p:ext>
     </p:extLst>
   </p:cSld>
@@ -1493,7 +1493,7 @@
           <p:cNvPr id="2" name="标题 1">
             <a:extLst>
               <a:ext uri="{FF2B5EF4-FFF2-40B4-BE49-F238E27FC236}">
-                <a16:creationId xmlns:a16="http://schemas.microsoft.com/office/drawing/2014/main" id="{7B264DDC-DC19-8335-562C-D11880F514E7}"/>
+                <a16:creationId xmlns:a16="http://schemas.microsoft.com/office/drawing/2014/main" id="{71B28B91-713F-48F2-774F-79C283889C0C}"/>
               </a:ext>
             </a:extLst>
           </p:cNvPr>
@@ -1526,7 +1526,7 @@
           <p:cNvPr id="3" name="文本占位符 2">
             <a:extLst>
               <a:ext uri="{FF2B5EF4-FFF2-40B4-BE49-F238E27FC236}">
-                <a16:creationId xmlns:a16="http://schemas.microsoft.com/office/drawing/2014/main" id="{696D4758-09C3-35B2-EADC-A1833E1C1EF8}"/>
+                <a16:creationId xmlns:a16="http://schemas.microsoft.com/office/drawing/2014/main" id="{62E7FAAB-41DD-AE54-75B9-51DC741D2330}"/>
               </a:ext>
             </a:extLst>
           </p:cNvPr>
@@ -1597,7 +1597,7 @@
           <p:cNvPr id="4" name="内容占位符 3">
             <a:extLst>
               <a:ext uri="{FF2B5EF4-FFF2-40B4-BE49-F238E27FC236}">
-                <a16:creationId xmlns:a16="http://schemas.microsoft.com/office/drawing/2014/main" id="{5877D17D-BBBF-02C8-806B-F1C4358314F9}"/>
+                <a16:creationId xmlns:a16="http://schemas.microsoft.com/office/drawing/2014/main" id="{72A193DB-B60E-D366-95A6-108B02594FFC}"/>
               </a:ext>
             </a:extLst>
           </p:cNvPr>
@@ -1659,7 +1659,7 @@
           <p:cNvPr id="5" name="文本占位符 4">
             <a:extLst>
               <a:ext uri="{FF2B5EF4-FFF2-40B4-BE49-F238E27FC236}">
-                <a16:creationId xmlns:a16="http://schemas.microsoft.com/office/drawing/2014/main" id="{1CD6872C-58B7-796C-DAF3-C13FAAB77115}"/>
+                <a16:creationId xmlns:a16="http://schemas.microsoft.com/office/drawing/2014/main" id="{13FE2F4B-BFF0-2856-CA88-54B3CFE920AD}"/>
               </a:ext>
             </a:extLst>
           </p:cNvPr>
@@ -1730,7 +1730,7 @@
           <p:cNvPr id="6" name="内容占位符 5">
             <a:extLst>
               <a:ext uri="{FF2B5EF4-FFF2-40B4-BE49-F238E27FC236}">
-                <a16:creationId xmlns:a16="http://schemas.microsoft.com/office/drawing/2014/main" id="{4738CBCD-89F0-E708-16AA-2680C43BCA7D}"/>
+                <a16:creationId xmlns:a16="http://schemas.microsoft.com/office/drawing/2014/main" id="{DB9A658D-E09C-9D70-56CC-963787C3AF89}"/>
               </a:ext>
             </a:extLst>
           </p:cNvPr>
@@ -1792,7 +1792,7 @@
           <p:cNvPr id="7" name="日期占位符 6">
             <a:extLst>
               <a:ext uri="{FF2B5EF4-FFF2-40B4-BE49-F238E27FC236}">
-                <a16:creationId xmlns:a16="http://schemas.microsoft.com/office/drawing/2014/main" id="{649548F9-C17A-04A3-1001-49A91A2B079F}"/>
+                <a16:creationId xmlns:a16="http://schemas.microsoft.com/office/drawing/2014/main" id="{23A6AE44-BC08-35F9-8643-6171E0BEF94B}"/>
               </a:ext>
             </a:extLst>
           </p:cNvPr>
@@ -1808,7 +1808,7 @@
           <a:bodyPr/>
           <a:lstStyle/>
           <a:p>
-            <a:fld id="{6C3A8BA1-F2C0-4024-8A1B-5989772EC5FE}" type="datetimeFigureOut">
+            <a:fld id="{FB944270-1DB4-46BE-BF00-49F91633D15F}" type="datetimeFigureOut">
               <a:rPr lang="zh-CN" altLang="en-US" smtClean="0"/>
               <a:t>2024/3/10</a:t>
             </a:fld>
@@ -1821,7 +1821,7 @@
           <p:cNvPr id="8" name="页脚占位符 7">
             <a:extLst>
               <a:ext uri="{FF2B5EF4-FFF2-40B4-BE49-F238E27FC236}">
-                <a16:creationId xmlns:a16="http://schemas.microsoft.com/office/drawing/2014/main" id="{9133FEB0-C35B-881F-0379-C1851BE49CD7}"/>
+                <a16:creationId xmlns:a16="http://schemas.microsoft.com/office/drawing/2014/main" id="{70718E11-4BC3-8708-E908-4FD6EA7C6167}"/>
               </a:ext>
             </a:extLst>
           </p:cNvPr>
@@ -1846,7 +1846,7 @@
           <p:cNvPr id="9" name="灯片编号占位符 8">
             <a:extLst>
               <a:ext uri="{FF2B5EF4-FFF2-40B4-BE49-F238E27FC236}">
-                <a16:creationId xmlns:a16="http://schemas.microsoft.com/office/drawing/2014/main" id="{BA5FF328-2805-2631-01D1-3239114B4A08}"/>
+                <a16:creationId xmlns:a16="http://schemas.microsoft.com/office/drawing/2014/main" id="{B8E8AD4A-133C-00CC-E5CE-117601411E91}"/>
               </a:ext>
             </a:extLst>
           </p:cNvPr>
@@ -1862,7 +1862,7 @@
           <a:bodyPr/>
           <a:lstStyle/>
           <a:p>
-            <a:fld id="{045A99A6-3634-4E6C-8FD8-24BB06468BE6}" type="slidenum">
+            <a:fld id="{A8EFE528-9DA1-4AA5-A847-EE5E09167760}" type="slidenum">
               <a:rPr lang="zh-CN" altLang="en-US" smtClean="0"/>
               <a:t>‹#›</a:t>
             </a:fld>
@@ -1873,7 +1873,7 @@
     </p:spTree>
     <p:extLst>
       <p:ext uri="{BB962C8B-B14F-4D97-AF65-F5344CB8AC3E}">
-        <p14:creationId xmlns:p14="http://schemas.microsoft.com/office/powerpoint/2010/main" val="4113217326"/>
+        <p14:creationId xmlns:p14="http://schemas.microsoft.com/office/powerpoint/2010/main" val="2881806714"/>
       </p:ext>
     </p:extLst>
   </p:cSld>
@@ -1905,7 +1905,7 @@
           <p:cNvPr id="2" name="标题 1">
             <a:extLst>
               <a:ext uri="{FF2B5EF4-FFF2-40B4-BE49-F238E27FC236}">
-                <a16:creationId xmlns:a16="http://schemas.microsoft.com/office/drawing/2014/main" id="{C8F2E627-C313-5A60-4AC2-EE1D81B39FF7}"/>
+                <a16:creationId xmlns:a16="http://schemas.microsoft.com/office/drawing/2014/main" id="{0003E34D-13AC-8D74-6533-61290BCA050A}"/>
               </a:ext>
             </a:extLst>
           </p:cNvPr>
@@ -1933,7 +1933,7 @@
           <p:cNvPr id="3" name="日期占位符 2">
             <a:extLst>
               <a:ext uri="{FF2B5EF4-FFF2-40B4-BE49-F238E27FC236}">
-                <a16:creationId xmlns:a16="http://schemas.microsoft.com/office/drawing/2014/main" id="{88803C67-7D11-4466-529A-6B1C8A6F11A1}"/>
+                <a16:creationId xmlns:a16="http://schemas.microsoft.com/office/drawing/2014/main" id="{ECCB7D67-C099-E6CD-89F1-2A444E9EF62A}"/>
               </a:ext>
             </a:extLst>
           </p:cNvPr>
@@ -1949,7 +1949,7 @@
           <a:bodyPr/>
           <a:lstStyle/>
           <a:p>
-            <a:fld id="{6C3A8BA1-F2C0-4024-8A1B-5989772EC5FE}" type="datetimeFigureOut">
+            <a:fld id="{FB944270-1DB4-46BE-BF00-49F91633D15F}" type="datetimeFigureOut">
               <a:rPr lang="zh-CN" altLang="en-US" smtClean="0"/>
               <a:t>2024/3/10</a:t>
             </a:fld>
@@ -1962,7 +1962,7 @@
           <p:cNvPr id="4" name="页脚占位符 3">
             <a:extLst>
               <a:ext uri="{FF2B5EF4-FFF2-40B4-BE49-F238E27FC236}">
-                <a16:creationId xmlns:a16="http://schemas.microsoft.com/office/drawing/2014/main" id="{D2F7AAD6-2FCF-9922-0979-E1DE3F2D43FB}"/>
+                <a16:creationId xmlns:a16="http://schemas.microsoft.com/office/drawing/2014/main" id="{FEB370F9-F98A-7CCA-9419-C9B110D75E78}"/>
               </a:ext>
             </a:extLst>
           </p:cNvPr>
@@ -1987,7 +1987,7 @@
           <p:cNvPr id="5" name="灯片编号占位符 4">
             <a:extLst>
               <a:ext uri="{FF2B5EF4-FFF2-40B4-BE49-F238E27FC236}">
-                <a16:creationId xmlns:a16="http://schemas.microsoft.com/office/drawing/2014/main" id="{3783D568-3AC8-8FBF-BFBA-A6E96C425E24}"/>
+                <a16:creationId xmlns:a16="http://schemas.microsoft.com/office/drawing/2014/main" id="{35AD8CCB-0FD5-B25A-A1E0-2425A44F404D}"/>
               </a:ext>
             </a:extLst>
           </p:cNvPr>
@@ -2003,7 +2003,7 @@
           <a:bodyPr/>
           <a:lstStyle/>
           <a:p>
-            <a:fld id="{045A99A6-3634-4E6C-8FD8-24BB06468BE6}" type="slidenum">
+            <a:fld id="{A8EFE528-9DA1-4AA5-A847-EE5E09167760}" type="slidenum">
               <a:rPr lang="zh-CN" altLang="en-US" smtClean="0"/>
               <a:t>‹#›</a:t>
             </a:fld>
@@ -2014,7 +2014,7 @@
     </p:spTree>
     <p:extLst>
       <p:ext uri="{BB962C8B-B14F-4D97-AF65-F5344CB8AC3E}">
-        <p14:creationId xmlns:p14="http://schemas.microsoft.com/office/powerpoint/2010/main" val="1806633404"/>
+        <p14:creationId xmlns:p14="http://schemas.microsoft.com/office/powerpoint/2010/main" val="4154325548"/>
       </p:ext>
     </p:extLst>
   </p:cSld>
@@ -2046,7 +2046,7 @@
           <p:cNvPr id="2" name="日期占位符 1">
             <a:extLst>
               <a:ext uri="{FF2B5EF4-FFF2-40B4-BE49-F238E27FC236}">
-                <a16:creationId xmlns:a16="http://schemas.microsoft.com/office/drawing/2014/main" id="{50519417-13B2-0F6B-C697-B0A049DD9DB6}"/>
+                <a16:creationId xmlns:a16="http://schemas.microsoft.com/office/drawing/2014/main" id="{8DFEF75B-3085-7CAC-D565-B13D0B323B02}"/>
               </a:ext>
             </a:extLst>
           </p:cNvPr>
@@ -2062,7 +2062,7 @@
           <a:bodyPr/>
           <a:lstStyle/>
           <a:p>
-            <a:fld id="{6C3A8BA1-F2C0-4024-8A1B-5989772EC5FE}" type="datetimeFigureOut">
+            <a:fld id="{FB944270-1DB4-46BE-BF00-49F91633D15F}" type="datetimeFigureOut">
               <a:rPr lang="zh-CN" altLang="en-US" smtClean="0"/>
               <a:t>2024/3/10</a:t>
             </a:fld>
@@ -2075,7 +2075,7 @@
           <p:cNvPr id="3" name="页脚占位符 2">
             <a:extLst>
               <a:ext uri="{FF2B5EF4-FFF2-40B4-BE49-F238E27FC236}">
-                <a16:creationId xmlns:a16="http://schemas.microsoft.com/office/drawing/2014/main" id="{8CDCB801-894B-82AF-0746-34E41F63771A}"/>
+                <a16:creationId xmlns:a16="http://schemas.microsoft.com/office/drawing/2014/main" id="{30899D48-7DCA-E7AC-55D4-53BC33776210}"/>
               </a:ext>
             </a:extLst>
           </p:cNvPr>
@@ -2100,7 +2100,7 @@
           <p:cNvPr id="4" name="灯片编号占位符 3">
             <a:extLst>
               <a:ext uri="{FF2B5EF4-FFF2-40B4-BE49-F238E27FC236}">
-                <a16:creationId xmlns:a16="http://schemas.microsoft.com/office/drawing/2014/main" id="{D037A869-A6FA-310D-2229-BAA0114276F4}"/>
+                <a16:creationId xmlns:a16="http://schemas.microsoft.com/office/drawing/2014/main" id="{A02F01F0-2287-33CE-5F0B-0220BFF35E2B}"/>
               </a:ext>
             </a:extLst>
           </p:cNvPr>
@@ -2116,7 +2116,7 @@
           <a:bodyPr/>
           <a:lstStyle/>
           <a:p>
-            <a:fld id="{045A99A6-3634-4E6C-8FD8-24BB06468BE6}" type="slidenum">
+            <a:fld id="{A8EFE528-9DA1-4AA5-A847-EE5E09167760}" type="slidenum">
               <a:rPr lang="zh-CN" altLang="en-US" smtClean="0"/>
               <a:t>‹#›</a:t>
             </a:fld>
@@ -2127,7 +2127,7 @@
     </p:spTree>
     <p:extLst>
       <p:ext uri="{BB962C8B-B14F-4D97-AF65-F5344CB8AC3E}">
-        <p14:creationId xmlns:p14="http://schemas.microsoft.com/office/powerpoint/2010/main" val="1076986184"/>
+        <p14:creationId xmlns:p14="http://schemas.microsoft.com/office/powerpoint/2010/main" val="341819293"/>
       </p:ext>
     </p:extLst>
   </p:cSld>
@@ -2159,7 +2159,7 @@
           <p:cNvPr id="2" name="标题 1">
             <a:extLst>
               <a:ext uri="{FF2B5EF4-FFF2-40B4-BE49-F238E27FC236}">
-                <a16:creationId xmlns:a16="http://schemas.microsoft.com/office/drawing/2014/main" id="{EE0DF7DB-3A1D-D633-93B4-5458BCC875F9}"/>
+                <a16:creationId xmlns:a16="http://schemas.microsoft.com/office/drawing/2014/main" id="{F41E64AF-B4A3-69F6-A427-B09F8D58839F}"/>
               </a:ext>
             </a:extLst>
           </p:cNvPr>
@@ -2196,7 +2196,7 @@
           <p:cNvPr id="3" name="内容占位符 2">
             <a:extLst>
               <a:ext uri="{FF2B5EF4-FFF2-40B4-BE49-F238E27FC236}">
-                <a16:creationId xmlns:a16="http://schemas.microsoft.com/office/drawing/2014/main" id="{C84DA782-569D-19B0-627C-9516DB7AC04E}"/>
+                <a16:creationId xmlns:a16="http://schemas.microsoft.com/office/drawing/2014/main" id="{0ADC3FD9-888E-6BA2-7FEC-E9A353C2BF1B}"/>
               </a:ext>
             </a:extLst>
           </p:cNvPr>
@@ -2286,7 +2286,7 @@
           <p:cNvPr id="4" name="文本占位符 3">
             <a:extLst>
               <a:ext uri="{FF2B5EF4-FFF2-40B4-BE49-F238E27FC236}">
-                <a16:creationId xmlns:a16="http://schemas.microsoft.com/office/drawing/2014/main" id="{C863A23F-9B51-5D2D-6ADB-F2C94F67624F}"/>
+                <a16:creationId xmlns:a16="http://schemas.microsoft.com/office/drawing/2014/main" id="{7A8A0E6B-7F64-2BBE-CB3D-DA8FBA803878}"/>
               </a:ext>
             </a:extLst>
           </p:cNvPr>
@@ -2357,7 +2357,7 @@
           <p:cNvPr id="5" name="日期占位符 4">
             <a:extLst>
               <a:ext uri="{FF2B5EF4-FFF2-40B4-BE49-F238E27FC236}">
-                <a16:creationId xmlns:a16="http://schemas.microsoft.com/office/drawing/2014/main" id="{357816AF-B13F-85E9-DDC6-89F6E46428ED}"/>
+                <a16:creationId xmlns:a16="http://schemas.microsoft.com/office/drawing/2014/main" id="{52FF9394-042B-9B86-25B2-D7F07E4D81E6}"/>
               </a:ext>
             </a:extLst>
           </p:cNvPr>
@@ -2373,7 +2373,7 @@
           <a:bodyPr/>
           <a:lstStyle/>
           <a:p>
-            <a:fld id="{6C3A8BA1-F2C0-4024-8A1B-5989772EC5FE}" type="datetimeFigureOut">
+            <a:fld id="{FB944270-1DB4-46BE-BF00-49F91633D15F}" type="datetimeFigureOut">
               <a:rPr lang="zh-CN" altLang="en-US" smtClean="0"/>
               <a:t>2024/3/10</a:t>
             </a:fld>
@@ -2386,7 +2386,7 @@
           <p:cNvPr id="6" name="页脚占位符 5">
             <a:extLst>
               <a:ext uri="{FF2B5EF4-FFF2-40B4-BE49-F238E27FC236}">
-                <a16:creationId xmlns:a16="http://schemas.microsoft.com/office/drawing/2014/main" id="{FFE8E639-2F1C-8823-B837-9863F49CF7F1}"/>
+                <a16:creationId xmlns:a16="http://schemas.microsoft.com/office/drawing/2014/main" id="{9063979C-9C6B-819E-FF77-89B1F68F6D0F}"/>
               </a:ext>
             </a:extLst>
           </p:cNvPr>
@@ -2411,7 +2411,7 @@
           <p:cNvPr id="7" name="灯片编号占位符 6">
             <a:extLst>
               <a:ext uri="{FF2B5EF4-FFF2-40B4-BE49-F238E27FC236}">
-                <a16:creationId xmlns:a16="http://schemas.microsoft.com/office/drawing/2014/main" id="{762E62E1-4F91-47ED-85E8-29279F9DE07F}"/>
+                <a16:creationId xmlns:a16="http://schemas.microsoft.com/office/drawing/2014/main" id="{72BE6691-8510-ECD8-E308-A51E82AEAA65}"/>
               </a:ext>
             </a:extLst>
           </p:cNvPr>
@@ -2427,7 +2427,7 @@
           <a:bodyPr/>
           <a:lstStyle/>
           <a:p>
-            <a:fld id="{045A99A6-3634-4E6C-8FD8-24BB06468BE6}" type="slidenum">
+            <a:fld id="{A8EFE528-9DA1-4AA5-A847-EE5E09167760}" type="slidenum">
               <a:rPr lang="zh-CN" altLang="en-US" smtClean="0"/>
               <a:t>‹#›</a:t>
             </a:fld>
@@ -2438,7 +2438,7 @@
     </p:spTree>
     <p:extLst>
       <p:ext uri="{BB962C8B-B14F-4D97-AF65-F5344CB8AC3E}">
-        <p14:creationId xmlns:p14="http://schemas.microsoft.com/office/powerpoint/2010/main" val="2200829453"/>
+        <p14:creationId xmlns:p14="http://schemas.microsoft.com/office/powerpoint/2010/main" val="1957295713"/>
       </p:ext>
     </p:extLst>
   </p:cSld>
@@ -2470,7 +2470,7 @@
           <p:cNvPr id="2" name="标题 1">
             <a:extLst>
               <a:ext uri="{FF2B5EF4-FFF2-40B4-BE49-F238E27FC236}">
-                <a16:creationId xmlns:a16="http://schemas.microsoft.com/office/drawing/2014/main" id="{E3858C14-33E1-F5A5-DAF5-0BFD27776069}"/>
+                <a16:creationId xmlns:a16="http://schemas.microsoft.com/office/drawing/2014/main" id="{7E83EA3C-C5BA-27C6-BC13-DD6A68173448}"/>
               </a:ext>
             </a:extLst>
           </p:cNvPr>
@@ -2507,7 +2507,7 @@
           <p:cNvPr id="3" name="图片占位符 2">
             <a:extLst>
               <a:ext uri="{FF2B5EF4-FFF2-40B4-BE49-F238E27FC236}">
-                <a16:creationId xmlns:a16="http://schemas.microsoft.com/office/drawing/2014/main" id="{423AF081-3C9D-74A7-DCE8-D3AAEC03FAF1}"/>
+                <a16:creationId xmlns:a16="http://schemas.microsoft.com/office/drawing/2014/main" id="{E88BA18E-B0A5-2236-BF1A-E93E0F124CC7}"/>
               </a:ext>
             </a:extLst>
           </p:cNvPr>
@@ -2574,7 +2574,7 @@
           <p:cNvPr id="4" name="文本占位符 3">
             <a:extLst>
               <a:ext uri="{FF2B5EF4-FFF2-40B4-BE49-F238E27FC236}">
-                <a16:creationId xmlns:a16="http://schemas.microsoft.com/office/drawing/2014/main" id="{4821A1CF-BC0D-075A-183F-32C4E192EC6D}"/>
+                <a16:creationId xmlns:a16="http://schemas.microsoft.com/office/drawing/2014/main" id="{0CE781CB-10C7-61B3-C2F7-9E11E0D6391A}"/>
               </a:ext>
             </a:extLst>
           </p:cNvPr>
@@ -2645,7 +2645,7 @@
           <p:cNvPr id="5" name="日期占位符 4">
             <a:extLst>
               <a:ext uri="{FF2B5EF4-FFF2-40B4-BE49-F238E27FC236}">
-                <a16:creationId xmlns:a16="http://schemas.microsoft.com/office/drawing/2014/main" id="{2F1E710A-5092-61AD-6C26-B9EF8127E52E}"/>
+                <a16:creationId xmlns:a16="http://schemas.microsoft.com/office/drawing/2014/main" id="{DFC3E338-D066-38FB-4CEB-976B422D2AF1}"/>
               </a:ext>
             </a:extLst>
           </p:cNvPr>
@@ -2661,7 +2661,7 @@
           <a:bodyPr/>
           <a:lstStyle/>
           <a:p>
-            <a:fld id="{6C3A8BA1-F2C0-4024-8A1B-5989772EC5FE}" type="datetimeFigureOut">
+            <a:fld id="{FB944270-1DB4-46BE-BF00-49F91633D15F}" type="datetimeFigureOut">
               <a:rPr lang="zh-CN" altLang="en-US" smtClean="0"/>
               <a:t>2024/3/10</a:t>
             </a:fld>
@@ -2674,7 +2674,7 @@
           <p:cNvPr id="6" name="页脚占位符 5">
             <a:extLst>
               <a:ext uri="{FF2B5EF4-FFF2-40B4-BE49-F238E27FC236}">
-                <a16:creationId xmlns:a16="http://schemas.microsoft.com/office/drawing/2014/main" id="{2D0B6CF0-4588-F05E-0B5C-02E0082A5AFF}"/>
+                <a16:creationId xmlns:a16="http://schemas.microsoft.com/office/drawing/2014/main" id="{A300F3D7-73B2-868B-6E38-BA697D588E5A}"/>
               </a:ext>
             </a:extLst>
           </p:cNvPr>
@@ -2699,7 +2699,7 @@
           <p:cNvPr id="7" name="灯片编号占位符 6">
             <a:extLst>
               <a:ext uri="{FF2B5EF4-FFF2-40B4-BE49-F238E27FC236}">
-                <a16:creationId xmlns:a16="http://schemas.microsoft.com/office/drawing/2014/main" id="{5166F9D1-62D5-A8EE-3911-1D81AAD7E32A}"/>
+                <a16:creationId xmlns:a16="http://schemas.microsoft.com/office/drawing/2014/main" id="{51316D31-4D32-A605-A5A7-2351FB6404EA}"/>
               </a:ext>
             </a:extLst>
           </p:cNvPr>
@@ -2715,7 +2715,7 @@
           <a:bodyPr/>
           <a:lstStyle/>
           <a:p>
-            <a:fld id="{045A99A6-3634-4E6C-8FD8-24BB06468BE6}" type="slidenum">
+            <a:fld id="{A8EFE528-9DA1-4AA5-A847-EE5E09167760}" type="slidenum">
               <a:rPr lang="zh-CN" altLang="en-US" smtClean="0"/>
               <a:t>‹#›</a:t>
             </a:fld>
@@ -2726,7 +2726,7 @@
     </p:spTree>
     <p:extLst>
       <p:ext uri="{BB962C8B-B14F-4D97-AF65-F5344CB8AC3E}">
-        <p14:creationId xmlns:p14="http://schemas.microsoft.com/office/powerpoint/2010/main" val="3902267583"/>
+        <p14:creationId xmlns:p14="http://schemas.microsoft.com/office/powerpoint/2010/main" val="3093834592"/>
       </p:ext>
     </p:extLst>
   </p:cSld>
@@ -2763,7 +2763,7 @@
           <p:cNvPr id="2" name="标题占位符 1">
             <a:extLst>
               <a:ext uri="{FF2B5EF4-FFF2-40B4-BE49-F238E27FC236}">
-                <a16:creationId xmlns:a16="http://schemas.microsoft.com/office/drawing/2014/main" id="{B05B98BB-FA36-F078-08C6-951CD36EB3C2}"/>
+                <a16:creationId xmlns:a16="http://schemas.microsoft.com/office/drawing/2014/main" id="{B38E9A32-BC24-8F86-C7FF-D95683C1F50D}"/>
               </a:ext>
             </a:extLst>
           </p:cNvPr>
@@ -2801,7 +2801,7 @@
           <p:cNvPr id="3" name="文本占位符 2">
             <a:extLst>
               <a:ext uri="{FF2B5EF4-FFF2-40B4-BE49-F238E27FC236}">
-                <a16:creationId xmlns:a16="http://schemas.microsoft.com/office/drawing/2014/main" id="{1D29E845-2BAD-66C3-0384-134D23DB65BA}"/>
+                <a16:creationId xmlns:a16="http://schemas.microsoft.com/office/drawing/2014/main" id="{7AE33C03-2058-5B8F-A68F-15B27A35B8E2}"/>
               </a:ext>
             </a:extLst>
           </p:cNvPr>
@@ -2868,7 +2868,7 @@
           <p:cNvPr id="4" name="日期占位符 3">
             <a:extLst>
               <a:ext uri="{FF2B5EF4-FFF2-40B4-BE49-F238E27FC236}">
-                <a16:creationId xmlns:a16="http://schemas.microsoft.com/office/drawing/2014/main" id="{1D0C42F6-287E-94B9-0BF6-19611FF8C94A}"/>
+                <a16:creationId xmlns:a16="http://schemas.microsoft.com/office/drawing/2014/main" id="{448E24D8-4882-3FE5-4C7E-450BE77F2D90}"/>
               </a:ext>
             </a:extLst>
           </p:cNvPr>
@@ -2902,7 +2902,7 @@
             </a:lvl1pPr>
           </a:lstStyle>
           <a:p>
-            <a:fld id="{6C3A8BA1-F2C0-4024-8A1B-5989772EC5FE}" type="datetimeFigureOut">
+            <a:fld id="{FB944270-1DB4-46BE-BF00-49F91633D15F}" type="datetimeFigureOut">
               <a:rPr lang="zh-CN" altLang="en-US" smtClean="0"/>
               <a:t>2024/3/10</a:t>
             </a:fld>
@@ -2915,7 +2915,7 @@
           <p:cNvPr id="5" name="页脚占位符 4">
             <a:extLst>
               <a:ext uri="{FF2B5EF4-FFF2-40B4-BE49-F238E27FC236}">
-                <a16:creationId xmlns:a16="http://schemas.microsoft.com/office/drawing/2014/main" id="{A6F27C9C-FAD4-E8A1-712B-E154D5EC94B6}"/>
+                <a16:creationId xmlns:a16="http://schemas.microsoft.com/office/drawing/2014/main" id="{F387C7CA-7651-3B36-0C68-2CF749BD2877}"/>
               </a:ext>
             </a:extLst>
           </p:cNvPr>
@@ -2958,7 +2958,7 @@
           <p:cNvPr id="6" name="灯片编号占位符 5">
             <a:extLst>
               <a:ext uri="{FF2B5EF4-FFF2-40B4-BE49-F238E27FC236}">
-                <a16:creationId xmlns:a16="http://schemas.microsoft.com/office/drawing/2014/main" id="{C5F063A3-9F27-EC12-1DBB-3C3213879901}"/>
+                <a16:creationId xmlns:a16="http://schemas.microsoft.com/office/drawing/2014/main" id="{1DA50B50-718E-C235-8D4E-BADADA742EC4}"/>
               </a:ext>
             </a:extLst>
           </p:cNvPr>
@@ -2992,7 +2992,7 @@
             </a:lvl1pPr>
           </a:lstStyle>
           <a:p>
-            <a:fld id="{045A99A6-3634-4E6C-8FD8-24BB06468BE6}" type="slidenum">
+            <a:fld id="{A8EFE528-9DA1-4AA5-A847-EE5E09167760}" type="slidenum">
               <a:rPr lang="zh-CN" altLang="en-US" smtClean="0"/>
               <a:t>‹#›</a:t>
             </a:fld>
@@ -3003,7 +3003,7 @@
     </p:spTree>
     <p:extLst>
       <p:ext uri="{BB962C8B-B14F-4D97-AF65-F5344CB8AC3E}">
-        <p14:creationId xmlns:p14="http://schemas.microsoft.com/office/powerpoint/2010/main" val="2969163656"/>
+        <p14:creationId xmlns:p14="http://schemas.microsoft.com/office/powerpoint/2010/main" val="1275494621"/>
       </p:ext>
     </p:extLst>
   </p:cSld>
